--- a/assets/class6/23-slides/extra/S&H-Data.pptx
+++ b/assets/class6/23-slides/extra/S&H-Data.pptx
@@ -4098,8 +4098,37 @@
         </p:blipFill>
         <p:spPr>
           <a:xfrm>
-            <a:off x="3832528" y="1443265"/>
-            <a:ext cx="8241892" cy="5049610"/>
+            <a:off x="5199407" y="1298659"/>
+            <a:ext cx="6793810" cy="4162405"/>
+          </a:xfrm>
+          <a:prstGeom prst="rect">
+            <a:avLst/>
+          </a:prstGeom>
+        </p:spPr>
+      </p:pic>
+      <p:pic>
+        <p:nvPicPr>
+          <p:cNvPr id="5" name="图片 4">
+            <a:extLst>
+              <a:ext uri="{FF2B5EF4-FFF2-40B4-BE49-F238E27FC236}">
+                <a16:creationId xmlns:a16="http://schemas.microsoft.com/office/drawing/2014/main" id="{021D6222-B449-4409-AD1E-7CD58A5EE6D6}"/>
+              </a:ext>
+            </a:extLst>
+          </p:cNvPr>
+          <p:cNvPicPr>
+            <a:picLocks noChangeAspect="1"/>
+          </p:cNvPicPr>
+          <p:nvPr/>
+        </p:nvPicPr>
+        <p:blipFill rotWithShape="1">
+          <a:blip r:embed="rId3"/>
+          <a:srcRect b="50000"/>
+          <a:stretch/>
+        </p:blipFill>
+        <p:spPr>
+          <a:xfrm>
+            <a:off x="151075" y="5461064"/>
+            <a:ext cx="6650147" cy="1166747"/>
           </a:xfrm>
           <a:prstGeom prst="rect">
             <a:avLst/>
